--- a/GROUP11-2-2.pptx
+++ b/GROUP11-2-2.pptx
@@ -231,7 +231,7 @@
             <a:fld id="{86680C0C-85DF-417F-8238-DB0D15743621}" type="datetimeFigureOut">
               <a:rPr lang="en-GB" smtClean="0"/>
               <a:pPr/>
-              <a:t>16/12/2019</a:t>
+              <a:t>17/12/2019</a:t>
             </a:fld>
             <a:endParaRPr lang="en-GB"/>
           </a:p>
@@ -391,7 +391,7 @@
             <a:fld id="{539A0A48-EDB1-4AFE-B1B7-10CE2A416496}" type="slidenum">
               <a:rPr lang="en-GB" smtClean="0"/>
               <a:pPr/>
-              <a:t>‹#›</a:t>
+              <a:t>‹nr.›</a:t>
             </a:fld>
             <a:endParaRPr lang="en-GB"/>
           </a:p>
@@ -891,7 +891,7 @@
             <a:fld id="{50464F84-246C-4657-8172-1E2969D0F603}" type="datetime1">
               <a:rPr lang="en-GB" smtClean="0"/>
               <a:pPr/>
-              <a:t>16/12/2019</a:t>
+              <a:t>17/12/2019</a:t>
             </a:fld>
             <a:endParaRPr lang="en-GB"/>
           </a:p>
@@ -934,7 +934,7 @@
             <a:fld id="{7AE184E0-0BD4-4705-A12B-9B71DDE63301}" type="slidenum">
               <a:rPr lang="en-GB" smtClean="0"/>
               <a:pPr/>
-              <a:t>‹#›</a:t>
+              <a:t>‹nr.›</a:t>
             </a:fld>
             <a:endParaRPr lang="en-GB"/>
           </a:p>
@@ -1634,7 +1634,7 @@
             <a:fld id="{7AE184E0-0BD4-4705-A12B-9B71DDE63301}" type="slidenum">
               <a:rPr lang="en-GB" noProof="0" smtClean="0"/>
               <a:pPr/>
-              <a:t>‹#›</a:t>
+              <a:t>‹nr.›</a:t>
             </a:fld>
             <a:endParaRPr lang="en-GB" noProof="0" dirty="0"/>
           </a:p>
@@ -1803,7 +1803,7 @@
             <a:fld id="{4FCCCAF6-1686-4743-9124-83F33F1A0EA9}" type="datetime1">
               <a:rPr lang="en-GB" noProof="0" smtClean="0"/>
               <a:pPr/>
-              <a:t>16/12/2019</a:t>
+              <a:t>17/12/2019</a:t>
             </a:fld>
             <a:endParaRPr lang="en-GB" noProof="0" dirty="0"/>
           </a:p>
@@ -1846,7 +1846,7 @@
             <a:fld id="{7AE184E0-0BD4-4705-A12B-9B71DDE63301}" type="slidenum">
               <a:rPr lang="en-GB" noProof="0" smtClean="0"/>
               <a:pPr/>
-              <a:t>‹#›</a:t>
+              <a:t>‹nr.›</a:t>
             </a:fld>
             <a:endParaRPr lang="en-GB" noProof="0" dirty="0"/>
           </a:p>
@@ -1923,7 +1923,7 @@
             <a:fld id="{B86ADBF0-A618-4E69-83BB-0C41E08702AA}" type="datetime1">
               <a:rPr lang="en-GB" noProof="0" smtClean="0"/>
               <a:pPr/>
-              <a:t>16/12/2019</a:t>
+              <a:t>17/12/2019</a:t>
             </a:fld>
             <a:endParaRPr lang="en-GB" noProof="0" dirty="0"/>
           </a:p>
@@ -2019,7 +2019,7 @@
             <a:fld id="{7AE184E0-0BD4-4705-A12B-9B71DDE63301}" type="slidenum">
               <a:rPr lang="en-GB" noProof="0" smtClean="0"/>
               <a:pPr/>
-              <a:t>‹#›</a:t>
+              <a:t>‹nr.›</a:t>
             </a:fld>
             <a:endParaRPr lang="en-GB" noProof="0" dirty="0"/>
           </a:p>
@@ -2184,7 +2184,7 @@
             <a:fld id="{F2443E58-CDC3-4782-B82C-4D381C795B98}" type="datetime1">
               <a:rPr lang="en-GB" noProof="0" smtClean="0"/>
               <a:pPr/>
-              <a:t>16/12/2019</a:t>
+              <a:t>17/12/2019</a:t>
             </a:fld>
             <a:endParaRPr lang="en-GB" noProof="0" dirty="0"/>
           </a:p>
@@ -2227,7 +2227,7 @@
             <a:fld id="{7AE184E0-0BD4-4705-A12B-9B71DDE63301}" type="slidenum">
               <a:rPr lang="en-GB" noProof="0" smtClean="0"/>
               <a:pPr/>
-              <a:t>‹#›</a:t>
+              <a:t>‹nr.›</a:t>
             </a:fld>
             <a:endParaRPr lang="en-GB" noProof="0" dirty="0"/>
           </a:p>
@@ -2326,7 +2326,7 @@
             <a:fld id="{3D3465D1-804F-429B-83CD-3EFA8410E123}" type="datetime1">
               <a:rPr lang="en-GB" smtClean="0"/>
               <a:pPr/>
-              <a:t>16/12/2019</a:t>
+              <a:t>17/12/2019</a:t>
             </a:fld>
             <a:endParaRPr lang="en-GB"/>
           </a:p>
@@ -2903,7 +2903,7 @@
             <a:fld id="{434BA3CA-1064-434F-B179-AB3B0298C0D6}" type="datetime1">
               <a:rPr lang="en-GB" noProof="0" smtClean="0"/>
               <a:pPr/>
-              <a:t>16/12/2019</a:t>
+              <a:t>17/12/2019</a:t>
             </a:fld>
             <a:endParaRPr lang="en-GB" noProof="0" dirty="0"/>
           </a:p>
@@ -2980,7 +2980,7 @@
             <a:fld id="{7AE184E0-0BD4-4705-A12B-9B71DDE63301}" type="slidenum">
               <a:rPr lang="en-GB" noProof="0" smtClean="0"/>
               <a:pPr/>
-              <a:t>‹#›</a:t>
+              <a:t>‹nr.›</a:t>
             </a:fld>
             <a:endParaRPr lang="en-GB" noProof="0" dirty="0"/>
           </a:p>
@@ -3888,14 +3888,6 @@
               </a:rPr>
               <a:t>ugent</a:t>
             </a:r>
-            <a:r>
-              <a:rPr lang="nl-NL" sz="3600" dirty="0">
-                <a:solidFill>
-                  <a:schemeClr val="bg1"/>
-                </a:solidFill>
-              </a:rPr>
-              <a:t/>
-            </a:r>
             <a:br>
               <a:rPr lang="nl-NL" sz="3600" dirty="0">
                 <a:solidFill>
@@ -4264,13 +4256,6 @@
   <p:clrMapOvr>
     <a:masterClrMapping/>
   </p:clrMapOvr>
-  <p:timing>
-    <p:tnLst>
-      <p:par>
-        <p:cTn id="1" dur="indefinite" restart="never" nodeType="tmRoot"/>
-      </p:par>
-    </p:tnLst>
-  </p:timing>
 </p:sld>
 </file>
 
@@ -4307,15 +4292,15 @@
           <a:lstStyle/>
           <a:p>
             <a:r>
-              <a:rPr lang="nl-BE" cap="none" dirty="0" smtClean="0"/>
+              <a:rPr lang="nl-BE" cap="none" dirty="0"/>
               <a:t>Genus </a:t>
             </a:r>
             <a:r>
-              <a:rPr lang="nl-BE" cap="none" dirty="0" err="1" smtClean="0"/>
+              <a:rPr lang="nl-BE" cap="none" dirty="0" err="1"/>
               <a:t>Composition</a:t>
             </a:r>
             <a:r>
-              <a:rPr lang="nl-BE" dirty="0" smtClean="0"/>
+              <a:rPr lang="nl-BE" dirty="0"/>
               <a:t> </a:t>
             </a:r>
             <a:r>
@@ -4327,11 +4312,11 @@
               <a:t> </a:t>
             </a:r>
             <a:r>
-              <a:rPr lang="nl-BE" cap="none" dirty="0" smtClean="0"/>
+              <a:rPr lang="nl-BE" cap="none" dirty="0"/>
               <a:t>Age as </a:t>
             </a:r>
             <a:r>
-              <a:rPr lang="nl-BE" cap="none" smtClean="0"/>
+              <a:rPr lang="nl-BE" cap="none"/>
               <a:t>Continuous</a:t>
             </a:r>
             <a:endParaRPr lang="nl-BE" cap="none" dirty="0"/>
@@ -4482,13 +4467,6 @@
   <p:clrMapOvr>
     <a:masterClrMapping/>
   </p:clrMapOvr>
-  <p:timing>
-    <p:tnLst>
-      <p:par>
-        <p:cTn id="1" dur="indefinite" restart="never" nodeType="tmRoot"/>
-      </p:par>
-    </p:tnLst>
-  </p:timing>
 </p:sld>
 </file>
 
@@ -4574,13 +4552,6 @@
   <p:clrMapOvr>
     <a:masterClrMapping/>
   </p:clrMapOvr>
-  <p:timing>
-    <p:tnLst>
-      <p:par>
-        <p:cTn id="1" dur="indefinite" restart="never" nodeType="tmRoot"/>
-      </p:par>
-    </p:tnLst>
-  </p:timing>
 </p:sld>
 </file>
 
@@ -5062,10 +5033,6 @@
             <a:br>
               <a:rPr lang="en-US" sz="4000" dirty="0"/>
             </a:br>
-            <a:r>
-              <a:rPr lang="en-US" sz="4000" dirty="0"/>
-              <a:t/>
-            </a:r>
             <a:br>
               <a:rPr lang="en-US" sz="4000" dirty="0"/>
             </a:br>
@@ -5636,24 +5603,6 @@
       </p:sp>
       <p:sp>
         <p:nvSpPr>
-          <p:cNvPr id="3" name="Tijdelijke aanduiding voor afbeelding 2">
-            <a:extLst>
-              <a:ext uri="{FF2B5EF4-FFF2-40B4-BE49-F238E27FC236}">
-                <a16:creationId xmlns:a16="http://schemas.microsoft.com/office/drawing/2014/main" id="{3F4BB836-2104-42C5-B8D0-882E787E96D4}"/>
-              </a:ext>
-            </a:extLst>
-          </p:cNvPr>
-          <p:cNvSpPr>
-            <a:spLocks noGrp="1"/>
-          </p:cNvSpPr>
-          <p:nvPr>
-            <p:ph type="pic" sz="quarter" idx="13"/>
-          </p:nvPr>
-        </p:nvSpPr>
-        <p:spPr/>
-      </p:sp>
-      <p:sp>
-        <p:nvSpPr>
           <p:cNvPr id="4" name="Tijdelijke aanduiding voor dianummer 3">
             <a:extLst>
               <a:ext uri="{FF2B5EF4-FFF2-40B4-BE49-F238E27FC236}">
@@ -5682,37 +5631,12 @@
           </a:p>
         </p:txBody>
       </p:sp>
-      <p:sp>
-        <p:nvSpPr>
-          <p:cNvPr id="5" name="Tijdelijke aanduiding voor inhoud 4">
+      <p:pic>
+        <p:nvPicPr>
+          <p:cNvPr id="10" name="Afbeelding 9" descr="Afbeelding met schermafbeelding&#10;&#10;Automatisch gegenereerde beschrijving">
             <a:extLst>
               <a:ext uri="{FF2B5EF4-FFF2-40B4-BE49-F238E27FC236}">
-                <a16:creationId xmlns:a16="http://schemas.microsoft.com/office/drawing/2014/main" id="{9526F4E0-EC8C-4DC1-9396-656CBC3AC464}"/>
-              </a:ext>
-            </a:extLst>
-          </p:cNvPr>
-          <p:cNvSpPr>
-            <a:spLocks noGrp="1"/>
-          </p:cNvSpPr>
-          <p:nvPr>
-            <p:ph idx="1"/>
-          </p:nvPr>
-        </p:nvSpPr>
-        <p:spPr/>
-        <p:txBody>
-          <a:bodyPr/>
-          <a:lstStyle/>
-          <a:p>
-            <a:endParaRPr lang="nl-BE"/>
-          </a:p>
-        </p:txBody>
-      </p:sp>
-      <p:pic>
-        <p:nvPicPr>
-          <p:cNvPr id="6" name="Afbeelding 5">
-            <a:extLst>
-              <a:ext uri="{FF2B5EF4-FFF2-40B4-BE49-F238E27FC236}">
-                <a16:creationId xmlns:a16="http://schemas.microsoft.com/office/drawing/2014/main" id="{B809C4F0-5B34-4217-9435-AA062EA3DC07}"/>
+                <a16:creationId xmlns:a16="http://schemas.microsoft.com/office/drawing/2014/main" id="{EE1915CA-8BE7-4433-895B-2059A3606624}"/>
               </a:ext>
             </a:extLst>
           </p:cNvPr>
@@ -5722,15 +5646,21 @@
           <p:nvPr/>
         </p:nvPicPr>
         <p:blipFill>
-          <a:blip r:embed="rId2"/>
+          <a:blip r:embed="rId2">
+            <a:extLst>
+              <a:ext uri="{28A0092B-C50C-407E-A947-70E740481C1C}">
+                <a14:useLocalDpi xmlns:a14="http://schemas.microsoft.com/office/drawing/2010/main" val="0"/>
+              </a:ext>
+            </a:extLst>
+          </a:blip>
           <a:stretch>
             <a:fillRect/>
           </a:stretch>
         </p:blipFill>
         <p:spPr>
           <a:xfrm>
-            <a:off x="6055216" y="1371918"/>
-            <a:ext cx="7723845" cy="7378794"/>
+            <a:off x="3031185" y="1426948"/>
+            <a:ext cx="11276304" cy="7094524"/>
           </a:xfrm>
           <a:prstGeom prst="rect">
             <a:avLst/>
@@ -6295,15 +6225,6 @@
 </file>
 
 <file path=customXml/item2.xml><?xml version="1.0" encoding="utf-8"?>
-<?mso-contentType ?>
-<FormTemplates xmlns="http://schemas.microsoft.com/sharepoint/v3/contenttype/forms">
-  <Display>DocumentLibraryForm</Display>
-  <Edit>DocumentLibraryForm</Edit>
-  <New>DocumentLibraryForm</New>
-</FormTemplates>
-</file>
-
-<file path=customXml/item3.xml><?xml version="1.0" encoding="utf-8"?>
 <ct:contentTypeSchema xmlns:ct="http://schemas.microsoft.com/office/2006/metadata/contentType" xmlns:ma="http://schemas.microsoft.com/office/2006/metadata/properties/metaAttributes" ct:_="" ma:_="" ma:contentTypeName="Document" ma:contentTypeID="0x0101006485FDDAC6B575409C31AC848C388A85" ma:contentTypeVersion="" ma:contentTypeDescription="Een nieuw document maken." ma:contentTypeScope="" ma:versionID="af1196157f6ce1f05c24b0f61ce6f714">
   <xsd:schema xmlns:xsd="http://www.w3.org/2001/XMLSchema" xmlns:xs="http://www.w3.org/2001/XMLSchema" xmlns:p="http://schemas.microsoft.com/office/2006/metadata/properties" targetNamespace="http://schemas.microsoft.com/office/2006/metadata/properties" ma:root="true" ma:fieldsID="ded2a6fdfcb71de048e140027f1bc31d">
     <xsd:element name="properties">
@@ -6417,12 +6338,21 @@
 </ct:contentTypeSchema>
 </file>
 
+<file path=customXml/item3.xml><?xml version="1.0" encoding="utf-8"?>
+<?mso-contentType ?>
+<FormTemplates xmlns="http://schemas.microsoft.com/sharepoint/v3/contenttype/forms">
+  <Display>DocumentLibraryForm</Display>
+  <Edit>DocumentLibraryForm</Edit>
+  <New>DocumentLibraryForm</New>
+</FormTemplates>
+</file>
+
 <file path=customXml/itemProps1.xml><?xml version="1.0" encoding="utf-8"?>
 <ds:datastoreItem xmlns:ds="http://schemas.openxmlformats.org/officeDocument/2006/customXml" ds:itemID="{941C8F3A-DA56-452E-B740-BA4D823E63FF}">
   <ds:schemaRefs>
-    <ds:schemaRef ds:uri="http://schemas.microsoft.com/office/2006/documentManagement/types"/>
     <ds:schemaRef ds:uri="http://purl.org/dc/terms/"/>
     <ds:schemaRef ds:uri="http://schemas.openxmlformats.org/package/2006/metadata/core-properties"/>
+    <ds:schemaRef ds:uri="http://schemas.microsoft.com/office/2006/documentManagement/types"/>
     <ds:schemaRef ds:uri="http://purl.org/dc/dcmitype/"/>
     <ds:schemaRef ds:uri="http://schemas.microsoft.com/office/infopath/2007/PartnerControls"/>
     <ds:schemaRef ds:uri="http://purl.org/dc/elements/1.1/"/>
@@ -6433,14 +6363,6 @@
 </file>
 
 <file path=customXml/itemProps2.xml><?xml version="1.0" encoding="utf-8"?>
-<ds:datastoreItem xmlns:ds="http://schemas.openxmlformats.org/officeDocument/2006/customXml" ds:itemID="{43E9C0F6-7989-4BF0-AD09-E714261DBBD9}">
-  <ds:schemaRefs>
-    <ds:schemaRef ds:uri="http://schemas.microsoft.com/sharepoint/v3/contenttype/forms"/>
-  </ds:schemaRefs>
-</ds:datastoreItem>
-</file>
-
-<file path=customXml/itemProps3.xml><?xml version="1.0" encoding="utf-8"?>
 <ds:datastoreItem xmlns:ds="http://schemas.openxmlformats.org/officeDocument/2006/customXml" ds:itemID="{3F7C626C-4DBF-4BFD-8F44-5E569B7DF3B6}">
   <ds:schemaRefs>
     <ds:schemaRef ds:uri="http://schemas.microsoft.com/office/2006/metadata/contentType"/>
@@ -6454,4 +6376,12 @@
     <ds:schemaRef ds:uri="http://schemas.microsoft.com/office/infopath/2007/PartnerControls"/>
   </ds:schemaRefs>
 </ds:datastoreItem>
+</file>
+
+<file path=customXml/itemProps3.xml><?xml version="1.0" encoding="utf-8"?>
+<ds:datastoreItem xmlns:ds="http://schemas.openxmlformats.org/officeDocument/2006/customXml" ds:itemID="{43E9C0F6-7989-4BF0-AD09-E714261DBBD9}">
+  <ds:schemaRefs>
+    <ds:schemaRef ds:uri="http://schemas.microsoft.com/sharepoint/v3/contenttype/forms"/>
+  </ds:schemaRefs>
+</ds:datastoreItem>
 </file>